--- a/abstract/figures/simulation_a_and_b.pptx
+++ b/abstract/figures/simulation_a_and_b.pptx
@@ -123,12 +123,20 @@
 </p:presentation>
 </file>
 
+<file path=ppt/revisionInfo.xml><?xml version="1.0" encoding="utf-8"?>
+<p1510:revInfo xmlns:a="http://schemas.openxmlformats.org/drawingml/2006/main" xmlns:r="http://schemas.openxmlformats.org/officeDocument/2006/relationships" xmlns:p1510="http://schemas.microsoft.com/office/powerpoint/2015/10/main">
+  <p1510:revLst>
+    <p1510:client id="{8E9CD30E-FEB8-4D33-A551-AF6CE8A1A60E}" v="2" dt="2024-12-05T11:55:35.563"/>
+  </p1510:revLst>
+</p1510:revInfo>
+</file>
+
 <file path=ppt/changesInfos/changesInfo1.xml><?xml version="1.0" encoding="utf-8"?>
 <pc:chgInfo xmlns:a="http://schemas.openxmlformats.org/drawingml/2006/main" xmlns:r="http://schemas.openxmlformats.org/officeDocument/2006/relationships" xmlns:ac="http://schemas.microsoft.com/office/drawing/2013/main/command" xmlns:pc="http://schemas.microsoft.com/office/powerpoint/2013/main/command">
   <pc:docChgLst>
     <pc:chgData name="ryuki302@keio.jp" userId="d65665b1-6fe4-44f8-8240-d7946c48d66b" providerId="ADAL" clId="{8E9CD30E-FEB8-4D33-A551-AF6CE8A1A60E}"/>
-    <pc:docChg chg="delSld">
-      <pc:chgData name="ryuki302@keio.jp" userId="d65665b1-6fe4-44f8-8240-d7946c48d66b" providerId="ADAL" clId="{8E9CD30E-FEB8-4D33-A551-AF6CE8A1A60E}" dt="2024-12-05T11:12:30.756" v="0" actId="47"/>
+    <pc:docChg chg="custSel delSld modSld">
+      <pc:chgData name="ryuki302@keio.jp" userId="d65665b1-6fe4-44f8-8240-d7946c48d66b" providerId="ADAL" clId="{8E9CD30E-FEB8-4D33-A551-AF6CE8A1A60E}" dt="2024-12-05T11:55:46.067" v="36" actId="1038"/>
       <pc:docMkLst>
         <pc:docMk/>
       </pc:docMkLst>
@@ -138,6 +146,29 @@
           <pc:docMk/>
           <pc:sldMk cId="2838972195" sldId="256"/>
         </pc:sldMkLst>
+      </pc:sldChg>
+      <pc:sldChg chg="addSp delSp modSp mod">
+        <pc:chgData name="ryuki302@keio.jp" userId="d65665b1-6fe4-44f8-8240-d7946c48d66b" providerId="ADAL" clId="{8E9CD30E-FEB8-4D33-A551-AF6CE8A1A60E}" dt="2024-12-05T11:55:46.067" v="36" actId="1038"/>
+        <pc:sldMkLst>
+          <pc:docMk/>
+          <pc:sldMk cId="2116243478" sldId="257"/>
+        </pc:sldMkLst>
+        <pc:graphicFrameChg chg="del">
+          <ac:chgData name="ryuki302@keio.jp" userId="d65665b1-6fe4-44f8-8240-d7946c48d66b" providerId="ADAL" clId="{8E9CD30E-FEB8-4D33-A551-AF6CE8A1A60E}" dt="2024-12-05T11:55:21.900" v="1" actId="478"/>
+          <ac:graphicFrameMkLst>
+            <pc:docMk/>
+            <pc:sldMk cId="2116243478" sldId="257"/>
+            <ac:graphicFrameMk id="3" creationId="{0ACD4EBE-790A-D57F-3B13-A17EC851F42B}"/>
+          </ac:graphicFrameMkLst>
+        </pc:graphicFrameChg>
+        <pc:graphicFrameChg chg="add mod">
+          <ac:chgData name="ryuki302@keio.jp" userId="d65665b1-6fe4-44f8-8240-d7946c48d66b" providerId="ADAL" clId="{8E9CD30E-FEB8-4D33-A551-AF6CE8A1A60E}" dt="2024-12-05T11:55:46.067" v="36" actId="1038"/>
+          <ac:graphicFrameMkLst>
+            <pc:docMk/>
+            <pc:sldMk cId="2116243478" sldId="257"/>
+            <ac:graphicFrameMk id="6" creationId="{8CC59EC2-B186-AD93-2523-FD439160E8E8}"/>
+          </ac:graphicFrameMkLst>
+        </pc:graphicFrameChg>
       </pc:sldChg>
     </pc:docChg>
   </pc:docChgLst>
@@ -3715,12 +3746,84 @@
           </a:graphicData>
         </a:graphic>
       </p:graphicFrame>
+      <p:sp>
+        <p:nvSpPr>
+          <p:cNvPr id="4" name="テキスト ボックス 3">
+            <a:extLst>
+              <a:ext uri="{FF2B5EF4-FFF2-40B4-BE49-F238E27FC236}">
+                <a16:creationId xmlns:a16="http://schemas.microsoft.com/office/drawing/2014/main" id="{6DAD2939-D894-1CF3-B609-3582A9940B14}"/>
+              </a:ext>
+            </a:extLst>
+          </p:cNvPr>
+          <p:cNvSpPr txBox="1"/>
+          <p:nvPr/>
+        </p:nvSpPr>
+        <p:spPr>
+          <a:xfrm>
+            <a:off x="6096000" y="767476"/>
+            <a:ext cx="936434" cy="649994"/>
+          </a:xfrm>
+          <a:prstGeom prst="rect">
+            <a:avLst/>
+          </a:prstGeom>
+          <a:noFill/>
+        </p:spPr>
+        <p:txBody>
+          <a:bodyPr wrap="square" rtlCol="0">
+            <a:spAutoFit/>
+          </a:bodyPr>
+          <a:lstStyle/>
+          <a:p>
+            <a:r>
+              <a:rPr kumimoji="1" lang="en-US" altLang="ja-JP" sz="3600" dirty="0"/>
+              <a:t>(b)</a:t>
+            </a:r>
+            <a:endParaRPr kumimoji="1" lang="ja-JP" altLang="en-US" sz="3600" dirty="0"/>
+          </a:p>
+        </p:txBody>
+      </p:sp>
+      <p:sp>
+        <p:nvSpPr>
+          <p:cNvPr id="5" name="テキスト ボックス 4">
+            <a:extLst>
+              <a:ext uri="{FF2B5EF4-FFF2-40B4-BE49-F238E27FC236}">
+                <a16:creationId xmlns:a16="http://schemas.microsoft.com/office/drawing/2014/main" id="{45BDCEDB-31DD-8E0A-AD0B-EAF789E92FA9}"/>
+              </a:ext>
+            </a:extLst>
+          </p:cNvPr>
+          <p:cNvSpPr txBox="1"/>
+          <p:nvPr/>
+        </p:nvSpPr>
+        <p:spPr>
+          <a:xfrm>
+            <a:off x="383754" y="818920"/>
+            <a:ext cx="936434" cy="649994"/>
+          </a:xfrm>
+          <a:prstGeom prst="rect">
+            <a:avLst/>
+          </a:prstGeom>
+          <a:noFill/>
+        </p:spPr>
+        <p:txBody>
+          <a:bodyPr wrap="square" rtlCol="0">
+            <a:spAutoFit/>
+          </a:bodyPr>
+          <a:lstStyle/>
+          <a:p>
+            <a:r>
+              <a:rPr kumimoji="1" lang="en-US" altLang="ja-JP" sz="3600" dirty="0"/>
+              <a:t>(a)</a:t>
+            </a:r>
+            <a:endParaRPr kumimoji="1" lang="ja-JP" altLang="en-US" sz="3600" dirty="0"/>
+          </a:p>
+        </p:txBody>
+      </p:sp>
       <p:graphicFrame>
         <p:nvGraphicFramePr>
-          <p:cNvPr id="3" name="オブジェクト 2">
-            <a:extLst>
-              <a:ext uri="{FF2B5EF4-FFF2-40B4-BE49-F238E27FC236}">
-                <a16:creationId xmlns:a16="http://schemas.microsoft.com/office/drawing/2014/main" id="{0ACD4EBE-790A-D57F-3B13-A17EC851F42B}"/>
+          <p:cNvPr id="6" name="オブジェクト 5">
+            <a:extLst>
+              <a:ext uri="{FF2B5EF4-FFF2-40B4-BE49-F238E27FC236}">
+                <a16:creationId xmlns:a16="http://schemas.microsoft.com/office/drawing/2014/main" id="{8CC59EC2-B186-AD93-2523-FD439160E8E8}"/>
               </a:ext>
             </a:extLst>
           </p:cNvPr>
@@ -3730,13 +3833,13 @@
           <p:nvPr>
             <p:extLst>
               <p:ext uri="{D42A27DB-BD31-4B8C-83A1-F6EECF244321}">
-                <p14:modId xmlns:p14="http://schemas.microsoft.com/office/powerpoint/2010/main" val="784205821"/>
+                <p14:modId xmlns:p14="http://schemas.microsoft.com/office/powerpoint/2010/main" val="1640041437"/>
               </p:ext>
             </p:extLst>
           </p:nvPr>
         </p:nvGraphicFramePr>
         <p:xfrm>
-          <a:off x="198306" y="1467046"/>
+          <a:off x="80921" y="1463406"/>
           <a:ext cx="5906176" cy="4680366"/>
         </p:xfrm>
         <a:graphic>
@@ -3752,10 +3855,10 @@
                   <p:embed/>
                   <p:pic>
                     <p:nvPicPr>
-                      <p:cNvPr id="3" name="オブジェクト 2">
+                      <p:cNvPr id="6" name="オブジェクト 5">
                         <a:extLst>
                           <a:ext uri="{FF2B5EF4-FFF2-40B4-BE49-F238E27FC236}">
-                            <a16:creationId xmlns:a16="http://schemas.microsoft.com/office/drawing/2014/main" id="{0ACD4EBE-790A-D57F-3B13-A17EC851F42B}"/>
+                            <a16:creationId xmlns:a16="http://schemas.microsoft.com/office/drawing/2014/main" id="{8CC59EC2-B186-AD93-2523-FD439160E8E8}"/>
                           </a:ext>
                         </a:extLst>
                       </p:cNvPr>
@@ -3770,7 +3873,7 @@
                     </p:blipFill>
                     <p:spPr>
                       <a:xfrm>
-                        <a:off x="198306" y="1467046"/>
+                        <a:off x="80921" y="1463406"/>
                         <a:ext cx="5906176" cy="4680366"/>
                       </a:xfrm>
                       <a:prstGeom prst="rect">
@@ -3784,78 +3887,6 @@
           </a:graphicData>
         </a:graphic>
       </p:graphicFrame>
-      <p:sp>
-        <p:nvSpPr>
-          <p:cNvPr id="4" name="テキスト ボックス 3">
-            <a:extLst>
-              <a:ext uri="{FF2B5EF4-FFF2-40B4-BE49-F238E27FC236}">
-                <a16:creationId xmlns:a16="http://schemas.microsoft.com/office/drawing/2014/main" id="{6DAD2939-D894-1CF3-B609-3582A9940B14}"/>
-              </a:ext>
-            </a:extLst>
-          </p:cNvPr>
-          <p:cNvSpPr txBox="1"/>
-          <p:nvPr/>
-        </p:nvSpPr>
-        <p:spPr>
-          <a:xfrm>
-            <a:off x="6096000" y="767476"/>
-            <a:ext cx="936434" cy="649994"/>
-          </a:xfrm>
-          <a:prstGeom prst="rect">
-            <a:avLst/>
-          </a:prstGeom>
-          <a:noFill/>
-        </p:spPr>
-        <p:txBody>
-          <a:bodyPr wrap="square" rtlCol="0">
-            <a:spAutoFit/>
-          </a:bodyPr>
-          <a:lstStyle/>
-          <a:p>
-            <a:r>
-              <a:rPr kumimoji="1" lang="en-US" altLang="ja-JP" sz="3600" dirty="0"/>
-              <a:t>(b)</a:t>
-            </a:r>
-            <a:endParaRPr kumimoji="1" lang="ja-JP" altLang="en-US" sz="3600" dirty="0"/>
-          </a:p>
-        </p:txBody>
-      </p:sp>
-      <p:sp>
-        <p:nvSpPr>
-          <p:cNvPr id="5" name="テキスト ボックス 4">
-            <a:extLst>
-              <a:ext uri="{FF2B5EF4-FFF2-40B4-BE49-F238E27FC236}">
-                <a16:creationId xmlns:a16="http://schemas.microsoft.com/office/drawing/2014/main" id="{45BDCEDB-31DD-8E0A-AD0B-EAF789E92FA9}"/>
-              </a:ext>
-            </a:extLst>
-          </p:cNvPr>
-          <p:cNvSpPr txBox="1"/>
-          <p:nvPr/>
-        </p:nvSpPr>
-        <p:spPr>
-          <a:xfrm>
-            <a:off x="383754" y="818920"/>
-            <a:ext cx="936434" cy="649994"/>
-          </a:xfrm>
-          <a:prstGeom prst="rect">
-            <a:avLst/>
-          </a:prstGeom>
-          <a:noFill/>
-        </p:spPr>
-        <p:txBody>
-          <a:bodyPr wrap="square" rtlCol="0">
-            <a:spAutoFit/>
-          </a:bodyPr>
-          <a:lstStyle/>
-          <a:p>
-            <a:r>
-              <a:rPr kumimoji="1" lang="en-US" altLang="ja-JP" sz="3600" dirty="0"/>
-              <a:t>(a)</a:t>
-            </a:r>
-            <a:endParaRPr kumimoji="1" lang="ja-JP" altLang="en-US" sz="3600" dirty="0"/>
-          </a:p>
-        </p:txBody>
-      </p:sp>
     </p:spTree>
     <p:extLst>
       <p:ext uri="{BB962C8B-B14F-4D97-AF65-F5344CB8AC3E}">
